--- a/presentations/07_Hata_Matrisi_Confusion_Matrix.pptx
+++ b/presentations/07_Hata_Matrisi_Confusion_Matrix.pptx
@@ -703,7 +703,7 @@
           <a:p>
             <a:fld id="{6F77F576-AE14-466D-AA6B-335273622B21}" type="datetimeFigureOut">
               <a:rPr lang="en-US" smtClean="0"/>
-              <a:t>9/18/2019</a:t>
+              <a:t>11/16/2019</a:t>
             </a:fld>
             <a:endParaRPr lang="en-US"/>
           </a:p>
@@ -1102,7 +1102,7 @@
           <a:p>
             <a:fld id="{54AA066D-271F-4C1A-B89A-0705A7689EE9}" type="datetimeFigureOut">
               <a:rPr lang="en-US" smtClean="0"/>
-              <a:t>9/18/2019</a:t>
+              <a:t>11/16/2019</a:t>
             </a:fld>
             <a:endParaRPr lang="en-US"/>
           </a:p>
@@ -1272,7 +1272,7 @@
           <a:p>
             <a:fld id="{54AA066D-271F-4C1A-B89A-0705A7689EE9}" type="datetimeFigureOut">
               <a:rPr lang="en-US" smtClean="0"/>
-              <a:t>9/18/2019</a:t>
+              <a:t>11/16/2019</a:t>
             </a:fld>
             <a:endParaRPr lang="en-US"/>
           </a:p>
@@ -1452,7 +1452,7 @@
           <a:p>
             <a:fld id="{54AA066D-271F-4C1A-B89A-0705A7689EE9}" type="datetimeFigureOut">
               <a:rPr lang="en-US" smtClean="0"/>
-              <a:t>9/18/2019</a:t>
+              <a:t>11/16/2019</a:t>
             </a:fld>
             <a:endParaRPr lang="en-US"/>
           </a:p>
@@ -1622,7 +1622,7 @@
           <a:p>
             <a:fld id="{54AA066D-271F-4C1A-B89A-0705A7689EE9}" type="datetimeFigureOut">
               <a:rPr lang="en-US" smtClean="0"/>
-              <a:t>9/18/2019</a:t>
+              <a:t>11/16/2019</a:t>
             </a:fld>
             <a:endParaRPr lang="en-US"/>
           </a:p>
@@ -1868,7 +1868,7 @@
           <a:p>
             <a:fld id="{54AA066D-271F-4C1A-B89A-0705A7689EE9}" type="datetimeFigureOut">
               <a:rPr lang="en-US" smtClean="0"/>
-              <a:t>9/18/2019</a:t>
+              <a:t>11/16/2019</a:t>
             </a:fld>
             <a:endParaRPr lang="en-US"/>
           </a:p>
@@ -2100,7 +2100,7 @@
           <a:p>
             <a:fld id="{54AA066D-271F-4C1A-B89A-0705A7689EE9}" type="datetimeFigureOut">
               <a:rPr lang="en-US" smtClean="0"/>
-              <a:t>9/18/2019</a:t>
+              <a:t>11/16/2019</a:t>
             </a:fld>
             <a:endParaRPr lang="en-US"/>
           </a:p>
@@ -2467,7 +2467,7 @@
           <a:p>
             <a:fld id="{54AA066D-271F-4C1A-B89A-0705A7689EE9}" type="datetimeFigureOut">
               <a:rPr lang="en-US" smtClean="0"/>
-              <a:t>9/18/2019</a:t>
+              <a:t>11/16/2019</a:t>
             </a:fld>
             <a:endParaRPr lang="en-US"/>
           </a:p>
@@ -2585,7 +2585,7 @@
           <a:p>
             <a:fld id="{54AA066D-271F-4C1A-B89A-0705A7689EE9}" type="datetimeFigureOut">
               <a:rPr lang="en-US" smtClean="0"/>
-              <a:t>9/18/2019</a:t>
+              <a:t>11/16/2019</a:t>
             </a:fld>
             <a:endParaRPr lang="en-US"/>
           </a:p>
@@ -2680,7 +2680,7 @@
           <a:p>
             <a:fld id="{54AA066D-271F-4C1A-B89A-0705A7689EE9}" type="datetimeFigureOut">
               <a:rPr lang="en-US" smtClean="0"/>
-              <a:t>9/18/2019</a:t>
+              <a:t>11/16/2019</a:t>
             </a:fld>
             <a:endParaRPr lang="en-US"/>
           </a:p>
@@ -2957,7 +2957,7 @@
           <a:p>
             <a:fld id="{54AA066D-271F-4C1A-B89A-0705A7689EE9}" type="datetimeFigureOut">
               <a:rPr lang="en-US" smtClean="0"/>
-              <a:t>9/18/2019</a:t>
+              <a:t>11/16/2019</a:t>
             </a:fld>
             <a:endParaRPr lang="en-US"/>
           </a:p>
@@ -3210,7 +3210,7 @@
           <a:p>
             <a:fld id="{54AA066D-271F-4C1A-B89A-0705A7689EE9}" type="datetimeFigureOut">
               <a:rPr lang="en-US" smtClean="0"/>
-              <a:t>9/18/2019</a:t>
+              <a:t>11/16/2019</a:t>
             </a:fld>
             <a:endParaRPr lang="en-US"/>
           </a:p>
@@ -3423,7 +3423,7 @@
           <a:p>
             <a:fld id="{54AA066D-271F-4C1A-B89A-0705A7689EE9}" type="datetimeFigureOut">
               <a:rPr lang="en-US" smtClean="0"/>
-              <a:t>9/18/2019</a:t>
+              <a:t>11/16/2019</a:t>
             </a:fld>
             <a:endParaRPr lang="en-US"/>
           </a:p>
@@ -4765,8 +4765,12 @@
           <a:p>
             <a:pPr algn="ctr"/>
             <a:r>
+              <a:rPr lang="tr-TR" sz="2800" dirty="0" err="1"/>
+              <a:t>Recall</a:t>
+            </a:r>
+            <a:r>
               <a:rPr lang="tr-TR" sz="2800" dirty="0"/>
-              <a:t>Precision = TP / TP + FN</a:t>
+              <a:t> = TP / TP + FN</a:t>
             </a:r>
             <a:endParaRPr lang="en-US" sz="2800" dirty="0"/>
           </a:p>
